--- a/Fihirana Fanampiny/FF 26.pptx
+++ b/Fihirana Fanampiny/FF 26.pptx
@@ -174,10 +174,9 @@
           <a:lstStyle/>
           <a:p>
             <a:r>
-              <a:rPr lang="fr-FR" smtClean="0"/>
+              <a:rPr lang="fr-FR"/>
               <a:t>Cliquez pour modifier le style du titre</a:t>
             </a:r>
-            <a:endParaRPr lang="fr-FR"/>
           </a:p>
         </p:txBody>
       </p:sp>
@@ -293,10 +292,9 @@
           </a:lstStyle>
           <a:p>
             <a:r>
-              <a:rPr lang="fr-FR" smtClean="0"/>
+              <a:rPr lang="fr-FR"/>
               <a:t>Cliquez pour modifier le style des sous-titres du masque</a:t>
             </a:r>
-            <a:endParaRPr lang="fr-FR"/>
           </a:p>
         </p:txBody>
       </p:sp>
@@ -318,7 +316,7 @@
             <a:fld id="{E1E9137A-D7C1-4F8C-A62B-C89ADD9F06F3}" type="datetimeFigureOut">
               <a:rPr lang="fr-FR" smtClean="0"/>
               <a:pPr/>
-              <a:t>21/03/2021</a:t>
+              <a:t>05/11/2023</a:t>
             </a:fld>
             <a:endParaRPr lang="fr-FR"/>
           </a:p>
@@ -420,10 +418,9 @@
           <a:lstStyle/>
           <a:p>
             <a:r>
-              <a:rPr lang="fr-FR" smtClean="0"/>
+              <a:rPr lang="fr-FR"/>
               <a:t>Cliquez pour modifier le style du titre</a:t>
             </a:r>
-            <a:endParaRPr lang="fr-FR"/>
           </a:p>
         </p:txBody>
       </p:sp>
@@ -444,38 +441,37 @@
           <a:p>
             <a:pPr lvl="0"/>
             <a:r>
-              <a:rPr lang="fr-FR" smtClean="0"/>
+              <a:rPr lang="fr-FR"/>
               <a:t>Cliquez pour modifier les styles du texte du masque</a:t>
             </a:r>
           </a:p>
           <a:p>
             <a:pPr lvl="1"/>
             <a:r>
-              <a:rPr lang="fr-FR" smtClean="0"/>
+              <a:rPr lang="fr-FR"/>
               <a:t>Deuxième niveau</a:t>
             </a:r>
           </a:p>
           <a:p>
             <a:pPr lvl="2"/>
             <a:r>
-              <a:rPr lang="fr-FR" smtClean="0"/>
+              <a:rPr lang="fr-FR"/>
               <a:t>Troisième niveau</a:t>
             </a:r>
           </a:p>
           <a:p>
             <a:pPr lvl="3"/>
             <a:r>
-              <a:rPr lang="fr-FR" smtClean="0"/>
+              <a:rPr lang="fr-FR"/>
               <a:t>Quatrième niveau</a:t>
             </a:r>
           </a:p>
           <a:p>
             <a:pPr lvl="4"/>
             <a:r>
-              <a:rPr lang="fr-FR" smtClean="0"/>
+              <a:rPr lang="fr-FR"/>
               <a:t>Cinquième niveau</a:t>
             </a:r>
-            <a:endParaRPr lang="fr-FR"/>
           </a:p>
         </p:txBody>
       </p:sp>
@@ -497,7 +493,7 @@
             <a:fld id="{E1E9137A-D7C1-4F8C-A62B-C89ADD9F06F3}" type="datetimeFigureOut">
               <a:rPr lang="fr-FR" smtClean="0"/>
               <a:pPr/>
-              <a:t>21/03/2021</a:t>
+              <a:t>05/11/2023</a:t>
             </a:fld>
             <a:endParaRPr lang="fr-FR"/>
           </a:p>
@@ -604,10 +600,9 @@
           <a:lstStyle/>
           <a:p>
             <a:r>
-              <a:rPr lang="fr-FR" smtClean="0"/>
+              <a:rPr lang="fr-FR"/>
               <a:t>Cliquez pour modifier le style du titre</a:t>
             </a:r>
-            <a:endParaRPr lang="fr-FR"/>
           </a:p>
         </p:txBody>
       </p:sp>
@@ -633,38 +628,37 @@
           <a:p>
             <a:pPr lvl="0"/>
             <a:r>
-              <a:rPr lang="fr-FR" smtClean="0"/>
+              <a:rPr lang="fr-FR"/>
               <a:t>Cliquez pour modifier les styles du texte du masque</a:t>
             </a:r>
           </a:p>
           <a:p>
             <a:pPr lvl="1"/>
             <a:r>
-              <a:rPr lang="fr-FR" smtClean="0"/>
+              <a:rPr lang="fr-FR"/>
               <a:t>Deuxième niveau</a:t>
             </a:r>
           </a:p>
           <a:p>
             <a:pPr lvl="2"/>
             <a:r>
-              <a:rPr lang="fr-FR" smtClean="0"/>
+              <a:rPr lang="fr-FR"/>
               <a:t>Troisième niveau</a:t>
             </a:r>
           </a:p>
           <a:p>
             <a:pPr lvl="3"/>
             <a:r>
-              <a:rPr lang="fr-FR" smtClean="0"/>
+              <a:rPr lang="fr-FR"/>
               <a:t>Quatrième niveau</a:t>
             </a:r>
           </a:p>
           <a:p>
             <a:pPr lvl="4"/>
             <a:r>
-              <a:rPr lang="fr-FR" smtClean="0"/>
+              <a:rPr lang="fr-FR"/>
               <a:t>Cinquième niveau</a:t>
             </a:r>
-            <a:endParaRPr lang="fr-FR"/>
           </a:p>
         </p:txBody>
       </p:sp>
@@ -686,7 +680,7 @@
             <a:fld id="{E1E9137A-D7C1-4F8C-A62B-C89ADD9F06F3}" type="datetimeFigureOut">
               <a:rPr lang="fr-FR" smtClean="0"/>
               <a:pPr/>
-              <a:t>21/03/2021</a:t>
+              <a:t>05/11/2023</a:t>
             </a:fld>
             <a:endParaRPr lang="fr-FR"/>
           </a:p>
@@ -788,10 +782,9 @@
           <a:lstStyle/>
           <a:p>
             <a:r>
-              <a:rPr lang="fr-FR" smtClean="0"/>
+              <a:rPr lang="fr-FR"/>
               <a:t>Cliquez pour modifier le style du titre</a:t>
             </a:r>
-            <a:endParaRPr lang="fr-FR"/>
           </a:p>
         </p:txBody>
       </p:sp>
@@ -812,38 +805,37 @@
           <a:p>
             <a:pPr lvl="0"/>
             <a:r>
-              <a:rPr lang="fr-FR" smtClean="0"/>
+              <a:rPr lang="fr-FR"/>
               <a:t>Cliquez pour modifier les styles du texte du masque</a:t>
             </a:r>
           </a:p>
           <a:p>
             <a:pPr lvl="1"/>
             <a:r>
-              <a:rPr lang="fr-FR" smtClean="0"/>
+              <a:rPr lang="fr-FR"/>
               <a:t>Deuxième niveau</a:t>
             </a:r>
           </a:p>
           <a:p>
             <a:pPr lvl="2"/>
             <a:r>
-              <a:rPr lang="fr-FR" smtClean="0"/>
+              <a:rPr lang="fr-FR"/>
               <a:t>Troisième niveau</a:t>
             </a:r>
           </a:p>
           <a:p>
             <a:pPr lvl="3"/>
             <a:r>
-              <a:rPr lang="fr-FR" smtClean="0"/>
+              <a:rPr lang="fr-FR"/>
               <a:t>Quatrième niveau</a:t>
             </a:r>
           </a:p>
           <a:p>
             <a:pPr lvl="4"/>
             <a:r>
-              <a:rPr lang="fr-FR" smtClean="0"/>
+              <a:rPr lang="fr-FR"/>
               <a:t>Cinquième niveau</a:t>
             </a:r>
-            <a:endParaRPr lang="fr-FR"/>
           </a:p>
         </p:txBody>
       </p:sp>
@@ -865,7 +857,7 @@
             <a:fld id="{E1E9137A-D7C1-4F8C-A62B-C89ADD9F06F3}" type="datetimeFigureOut">
               <a:rPr lang="fr-FR" smtClean="0"/>
               <a:pPr/>
-              <a:t>21/03/2021</a:t>
+              <a:t>05/11/2023</a:t>
             </a:fld>
             <a:endParaRPr lang="fr-FR"/>
           </a:p>
@@ -976,10 +968,9 @@
           </a:lstStyle>
           <a:p>
             <a:r>
-              <a:rPr lang="fr-FR" smtClean="0"/>
+              <a:rPr lang="fr-FR"/>
               <a:t>Cliquez pour modifier le style du titre</a:t>
             </a:r>
-            <a:endParaRPr lang="fr-FR"/>
           </a:p>
         </p:txBody>
       </p:sp>
@@ -1096,7 +1087,7 @@
           <a:p>
             <a:pPr lvl="0"/>
             <a:r>
-              <a:rPr lang="fr-FR" smtClean="0"/>
+              <a:rPr lang="fr-FR"/>
               <a:t>Cliquez pour modifier les styles du texte du masque</a:t>
             </a:r>
           </a:p>
@@ -1120,7 +1111,7 @@
             <a:fld id="{E1E9137A-D7C1-4F8C-A62B-C89ADD9F06F3}" type="datetimeFigureOut">
               <a:rPr lang="fr-FR" smtClean="0"/>
               <a:pPr/>
-              <a:t>21/03/2021</a:t>
+              <a:t>05/11/2023</a:t>
             </a:fld>
             <a:endParaRPr lang="fr-FR"/>
           </a:p>
@@ -1222,10 +1213,9 @@
           <a:lstStyle/>
           <a:p>
             <a:r>
-              <a:rPr lang="fr-FR" smtClean="0"/>
+              <a:rPr lang="fr-FR"/>
               <a:t>Cliquez pour modifier le style du titre</a:t>
             </a:r>
-            <a:endParaRPr lang="fr-FR"/>
           </a:p>
         </p:txBody>
       </p:sp>
@@ -1279,38 +1269,37 @@
           <a:p>
             <a:pPr lvl="0"/>
             <a:r>
-              <a:rPr lang="fr-FR" smtClean="0"/>
+              <a:rPr lang="fr-FR"/>
               <a:t>Cliquez pour modifier les styles du texte du masque</a:t>
             </a:r>
           </a:p>
           <a:p>
             <a:pPr lvl="1"/>
             <a:r>
-              <a:rPr lang="fr-FR" smtClean="0"/>
+              <a:rPr lang="fr-FR"/>
               <a:t>Deuxième niveau</a:t>
             </a:r>
           </a:p>
           <a:p>
             <a:pPr lvl="2"/>
             <a:r>
-              <a:rPr lang="fr-FR" smtClean="0"/>
+              <a:rPr lang="fr-FR"/>
               <a:t>Troisième niveau</a:t>
             </a:r>
           </a:p>
           <a:p>
             <a:pPr lvl="3"/>
             <a:r>
-              <a:rPr lang="fr-FR" smtClean="0"/>
+              <a:rPr lang="fr-FR"/>
               <a:t>Quatrième niveau</a:t>
             </a:r>
           </a:p>
           <a:p>
             <a:pPr lvl="4"/>
             <a:r>
-              <a:rPr lang="fr-FR" smtClean="0"/>
+              <a:rPr lang="fr-FR"/>
               <a:t>Cinquième niveau</a:t>
             </a:r>
-            <a:endParaRPr lang="fr-FR"/>
           </a:p>
         </p:txBody>
       </p:sp>
@@ -1364,38 +1353,37 @@
           <a:p>
             <a:pPr lvl="0"/>
             <a:r>
-              <a:rPr lang="fr-FR" smtClean="0"/>
+              <a:rPr lang="fr-FR"/>
               <a:t>Cliquez pour modifier les styles du texte du masque</a:t>
             </a:r>
           </a:p>
           <a:p>
             <a:pPr lvl="1"/>
             <a:r>
-              <a:rPr lang="fr-FR" smtClean="0"/>
+              <a:rPr lang="fr-FR"/>
               <a:t>Deuxième niveau</a:t>
             </a:r>
           </a:p>
           <a:p>
             <a:pPr lvl="2"/>
             <a:r>
-              <a:rPr lang="fr-FR" smtClean="0"/>
+              <a:rPr lang="fr-FR"/>
               <a:t>Troisième niveau</a:t>
             </a:r>
           </a:p>
           <a:p>
             <a:pPr lvl="3"/>
             <a:r>
-              <a:rPr lang="fr-FR" smtClean="0"/>
+              <a:rPr lang="fr-FR"/>
               <a:t>Quatrième niveau</a:t>
             </a:r>
           </a:p>
           <a:p>
             <a:pPr lvl="4"/>
             <a:r>
-              <a:rPr lang="fr-FR" smtClean="0"/>
+              <a:rPr lang="fr-FR"/>
               <a:t>Cinquième niveau</a:t>
             </a:r>
-            <a:endParaRPr lang="fr-FR"/>
           </a:p>
         </p:txBody>
       </p:sp>
@@ -1417,7 +1405,7 @@
             <a:fld id="{E1E9137A-D7C1-4F8C-A62B-C89ADD9F06F3}" type="datetimeFigureOut">
               <a:rPr lang="fr-FR" smtClean="0"/>
               <a:pPr/>
-              <a:t>21/03/2021</a:t>
+              <a:t>05/11/2023</a:t>
             </a:fld>
             <a:endParaRPr lang="fr-FR"/>
           </a:p>
@@ -1523,10 +1511,9 @@
           </a:lstStyle>
           <a:p>
             <a:r>
-              <a:rPr lang="fr-FR" smtClean="0"/>
+              <a:rPr lang="fr-FR"/>
               <a:t>Cliquez pour modifier le style du titre</a:t>
             </a:r>
-            <a:endParaRPr lang="fr-FR"/>
           </a:p>
         </p:txBody>
       </p:sp>
@@ -1589,7 +1576,7 @@
           <a:p>
             <a:pPr lvl="0"/>
             <a:r>
-              <a:rPr lang="fr-FR" smtClean="0"/>
+              <a:rPr lang="fr-FR"/>
               <a:t>Cliquez pour modifier les styles du texte du masque</a:t>
             </a:r>
           </a:p>
@@ -1645,38 +1632,37 @@
           <a:p>
             <a:pPr lvl="0"/>
             <a:r>
-              <a:rPr lang="fr-FR" smtClean="0"/>
+              <a:rPr lang="fr-FR"/>
               <a:t>Cliquez pour modifier les styles du texte du masque</a:t>
             </a:r>
           </a:p>
           <a:p>
             <a:pPr lvl="1"/>
             <a:r>
-              <a:rPr lang="fr-FR" smtClean="0"/>
+              <a:rPr lang="fr-FR"/>
               <a:t>Deuxième niveau</a:t>
             </a:r>
           </a:p>
           <a:p>
             <a:pPr lvl="2"/>
             <a:r>
-              <a:rPr lang="fr-FR" smtClean="0"/>
+              <a:rPr lang="fr-FR"/>
               <a:t>Troisième niveau</a:t>
             </a:r>
           </a:p>
           <a:p>
             <a:pPr lvl="3"/>
             <a:r>
-              <a:rPr lang="fr-FR" smtClean="0"/>
+              <a:rPr lang="fr-FR"/>
               <a:t>Quatrième niveau</a:t>
             </a:r>
           </a:p>
           <a:p>
             <a:pPr lvl="4"/>
             <a:r>
-              <a:rPr lang="fr-FR" smtClean="0"/>
+              <a:rPr lang="fr-FR"/>
               <a:t>Cinquième niveau</a:t>
             </a:r>
-            <a:endParaRPr lang="fr-FR"/>
           </a:p>
         </p:txBody>
       </p:sp>
@@ -1739,7 +1725,7 @@
           <a:p>
             <a:pPr lvl="0"/>
             <a:r>
-              <a:rPr lang="fr-FR" smtClean="0"/>
+              <a:rPr lang="fr-FR"/>
               <a:t>Cliquez pour modifier les styles du texte du masque</a:t>
             </a:r>
           </a:p>
@@ -1795,38 +1781,37 @@
           <a:p>
             <a:pPr lvl="0"/>
             <a:r>
-              <a:rPr lang="fr-FR" smtClean="0"/>
+              <a:rPr lang="fr-FR"/>
               <a:t>Cliquez pour modifier les styles du texte du masque</a:t>
             </a:r>
           </a:p>
           <a:p>
             <a:pPr lvl="1"/>
             <a:r>
-              <a:rPr lang="fr-FR" smtClean="0"/>
+              <a:rPr lang="fr-FR"/>
               <a:t>Deuxième niveau</a:t>
             </a:r>
           </a:p>
           <a:p>
             <a:pPr lvl="2"/>
             <a:r>
-              <a:rPr lang="fr-FR" smtClean="0"/>
+              <a:rPr lang="fr-FR"/>
               <a:t>Troisième niveau</a:t>
             </a:r>
           </a:p>
           <a:p>
             <a:pPr lvl="3"/>
             <a:r>
-              <a:rPr lang="fr-FR" smtClean="0"/>
+              <a:rPr lang="fr-FR"/>
               <a:t>Quatrième niveau</a:t>
             </a:r>
           </a:p>
           <a:p>
             <a:pPr lvl="4"/>
             <a:r>
-              <a:rPr lang="fr-FR" smtClean="0"/>
+              <a:rPr lang="fr-FR"/>
               <a:t>Cinquième niveau</a:t>
             </a:r>
-            <a:endParaRPr lang="fr-FR"/>
           </a:p>
         </p:txBody>
       </p:sp>
@@ -1848,7 +1833,7 @@
             <a:fld id="{E1E9137A-D7C1-4F8C-A62B-C89ADD9F06F3}" type="datetimeFigureOut">
               <a:rPr lang="fr-FR" smtClean="0"/>
               <a:pPr/>
-              <a:t>21/03/2021</a:t>
+              <a:t>05/11/2023</a:t>
             </a:fld>
             <a:endParaRPr lang="fr-FR"/>
           </a:p>
@@ -1950,10 +1935,9 @@
           <a:lstStyle/>
           <a:p>
             <a:r>
-              <a:rPr lang="fr-FR" smtClean="0"/>
+              <a:rPr lang="fr-FR"/>
               <a:t>Cliquez pour modifier le style du titre</a:t>
             </a:r>
-            <a:endParaRPr lang="fr-FR"/>
           </a:p>
         </p:txBody>
       </p:sp>
@@ -1975,7 +1959,7 @@
             <a:fld id="{E1E9137A-D7C1-4F8C-A62B-C89ADD9F06F3}" type="datetimeFigureOut">
               <a:rPr lang="fr-FR" smtClean="0"/>
               <a:pPr/>
-              <a:t>21/03/2021</a:t>
+              <a:t>05/11/2023</a:t>
             </a:fld>
             <a:endParaRPr lang="fr-FR"/>
           </a:p>
@@ -2079,7 +2063,7 @@
             <a:fld id="{E1E9137A-D7C1-4F8C-A62B-C89ADD9F06F3}" type="datetimeFigureOut">
               <a:rPr lang="fr-FR" smtClean="0"/>
               <a:pPr/>
-              <a:t>21/03/2021</a:t>
+              <a:t>05/11/2023</a:t>
             </a:fld>
             <a:endParaRPr lang="fr-FR"/>
           </a:p>
@@ -2190,10 +2174,9 @@
           </a:lstStyle>
           <a:p>
             <a:r>
-              <a:rPr lang="fr-FR" smtClean="0"/>
+              <a:rPr lang="fr-FR"/>
               <a:t>Cliquez pour modifier le style du titre</a:t>
             </a:r>
-            <a:endParaRPr lang="fr-FR"/>
           </a:p>
         </p:txBody>
       </p:sp>
@@ -2247,38 +2230,37 @@
           <a:p>
             <a:pPr lvl="0"/>
             <a:r>
-              <a:rPr lang="fr-FR" smtClean="0"/>
+              <a:rPr lang="fr-FR"/>
               <a:t>Cliquez pour modifier les styles du texte du masque</a:t>
             </a:r>
           </a:p>
           <a:p>
             <a:pPr lvl="1"/>
             <a:r>
-              <a:rPr lang="fr-FR" smtClean="0"/>
+              <a:rPr lang="fr-FR"/>
               <a:t>Deuxième niveau</a:t>
             </a:r>
           </a:p>
           <a:p>
             <a:pPr lvl="2"/>
             <a:r>
-              <a:rPr lang="fr-FR" smtClean="0"/>
+              <a:rPr lang="fr-FR"/>
               <a:t>Troisième niveau</a:t>
             </a:r>
           </a:p>
           <a:p>
             <a:pPr lvl="3"/>
             <a:r>
-              <a:rPr lang="fr-FR" smtClean="0"/>
+              <a:rPr lang="fr-FR"/>
               <a:t>Quatrième niveau</a:t>
             </a:r>
           </a:p>
           <a:p>
             <a:pPr lvl="4"/>
             <a:r>
-              <a:rPr lang="fr-FR" smtClean="0"/>
+              <a:rPr lang="fr-FR"/>
               <a:t>Cinquième niveau</a:t>
             </a:r>
-            <a:endParaRPr lang="fr-FR"/>
           </a:p>
         </p:txBody>
       </p:sp>
@@ -2341,7 +2323,7 @@
           <a:p>
             <a:pPr lvl="0"/>
             <a:r>
-              <a:rPr lang="fr-FR" smtClean="0"/>
+              <a:rPr lang="fr-FR"/>
               <a:t>Cliquez pour modifier les styles du texte du masque</a:t>
             </a:r>
           </a:p>
@@ -2365,7 +2347,7 @@
             <a:fld id="{E1E9137A-D7C1-4F8C-A62B-C89ADD9F06F3}" type="datetimeFigureOut">
               <a:rPr lang="fr-FR" smtClean="0"/>
               <a:pPr/>
-              <a:t>21/03/2021</a:t>
+              <a:t>05/11/2023</a:t>
             </a:fld>
             <a:endParaRPr lang="fr-FR"/>
           </a:p>
@@ -2476,10 +2458,9 @@
           </a:lstStyle>
           <a:p>
             <a:r>
-              <a:rPr lang="fr-FR" smtClean="0"/>
+              <a:rPr lang="fr-FR"/>
               <a:t>Cliquez pour modifier le style du titre</a:t>
             </a:r>
-            <a:endParaRPr lang="fr-FR"/>
           </a:p>
         </p:txBody>
       </p:sp>
@@ -2603,7 +2584,7 @@
           <a:p>
             <a:pPr lvl="0"/>
             <a:r>
-              <a:rPr lang="fr-FR" smtClean="0"/>
+              <a:rPr lang="fr-FR"/>
               <a:t>Cliquez pour modifier les styles du texte du masque</a:t>
             </a:r>
           </a:p>
@@ -2627,7 +2608,7 @@
             <a:fld id="{E1E9137A-D7C1-4F8C-A62B-C89ADD9F06F3}" type="datetimeFigureOut">
               <a:rPr lang="fr-FR" smtClean="0"/>
               <a:pPr/>
-              <a:t>21/03/2021</a:t>
+              <a:t>05/11/2023</a:t>
             </a:fld>
             <a:endParaRPr lang="fr-FR"/>
           </a:p>
@@ -2747,10 +2728,9 @@
           <a:lstStyle/>
           <a:p>
             <a:r>
-              <a:rPr lang="fr-FR" smtClean="0"/>
+              <a:rPr lang="fr-FR"/>
               <a:t>Cliquez pour modifier le style du titre</a:t>
             </a:r>
-            <a:endParaRPr lang="fr-FR"/>
           </a:p>
         </p:txBody>
       </p:sp>
@@ -2781,38 +2761,37 @@
           <a:p>
             <a:pPr lvl="0"/>
             <a:r>
-              <a:rPr lang="fr-FR" smtClean="0"/>
+              <a:rPr lang="fr-FR"/>
               <a:t>Cliquez pour modifier les styles du texte du masque</a:t>
             </a:r>
           </a:p>
           <a:p>
             <a:pPr lvl="1"/>
             <a:r>
-              <a:rPr lang="fr-FR" smtClean="0"/>
+              <a:rPr lang="fr-FR"/>
               <a:t>Deuxième niveau</a:t>
             </a:r>
           </a:p>
           <a:p>
             <a:pPr lvl="2"/>
             <a:r>
-              <a:rPr lang="fr-FR" smtClean="0"/>
+              <a:rPr lang="fr-FR"/>
               <a:t>Troisième niveau</a:t>
             </a:r>
           </a:p>
           <a:p>
             <a:pPr lvl="3"/>
             <a:r>
-              <a:rPr lang="fr-FR" smtClean="0"/>
+              <a:rPr lang="fr-FR"/>
               <a:t>Quatrième niveau</a:t>
             </a:r>
           </a:p>
           <a:p>
             <a:pPr lvl="4"/>
             <a:r>
-              <a:rPr lang="fr-FR" smtClean="0"/>
+              <a:rPr lang="fr-FR"/>
               <a:t>Cinquième niveau</a:t>
             </a:r>
-            <a:endParaRPr lang="fr-FR"/>
           </a:p>
         </p:txBody>
       </p:sp>
@@ -2852,7 +2831,7 @@
             <a:fld id="{E1E9137A-D7C1-4F8C-A62B-C89ADD9F06F3}" type="datetimeFigureOut">
               <a:rPr lang="fr-FR" smtClean="0"/>
               <a:pPr/>
-              <a:t>21/03/2021</a:t>
+              <a:t>05/11/2023</a:t>
             </a:fld>
             <a:endParaRPr lang="fr-FR"/>
           </a:p>
@@ -3257,11 +3236,11 @@
           <a:lstStyle/>
           <a:p>
             <a:r>
-              <a:rPr lang="en-US" sz="4000" b="1" dirty="0" err="1" smtClean="0"/>
+              <a:rPr lang="en-US" sz="4000" b="1" dirty="0" err="1"/>
               <a:t>Jesosy</a:t>
             </a:r>
             <a:r>
-              <a:rPr lang="en-US" sz="4000" b="1" dirty="0" smtClean="0"/>
+              <a:rPr lang="en-US" sz="4000" b="1" dirty="0"/>
               <a:t> </a:t>
             </a:r>
             <a:r>
@@ -3269,10 +3248,9 @@
               <a:t>reharehako</a:t>
             </a:r>
             <a:r>
-              <a:rPr lang="fr-FR" sz="4000" b="1" dirty="0" smtClean="0"/>
+              <a:rPr lang="fr-FR" sz="4000" b="1" dirty="0"/>
               <a:t>! </a:t>
             </a:r>
-            <a:endParaRPr lang="fr-FR" sz="4000" b="1" dirty="0"/>
           </a:p>
         </p:txBody>
       </p:sp>
@@ -3299,7 +3277,7 @@
           <a:p>
             <a:pPr algn="ctr"/>
             <a:r>
-              <a:rPr lang="fi-FI" sz="8000" b="1" dirty="0" smtClean="0"/>
+              <a:rPr lang="fi-FI" sz="8000" b="1" dirty="0"/>
               <a:t>FF 26</a:t>
             </a:r>
             <a:endParaRPr lang="fr-FR" sz="8000" dirty="0"/>
@@ -3311,25 +3289,18 @@
   <p:clrMapOvr>
     <a:masterClrMapping/>
   </p:clrMapOvr>
-  <mc:AlternateContent xmlns:mc="http://schemas.openxmlformats.org/markup-compatibility/2006">
-    <mc:Choice xmlns:p14="http://schemas.microsoft.com/office/powerpoint/2010/main" Requires="p14">
+  <mc:AlternateContent xmlns:mc="http://schemas.openxmlformats.org/markup-compatibility/2006" xmlns:p14="http://schemas.microsoft.com/office/powerpoint/2010/main">
+    <mc:Choice Requires="p14">
       <p:transition spd="slow" p14:dur="56750">
         <p14:flythrough/>
       </p:transition>
     </mc:Choice>
-    <mc:Fallback>
+    <mc:Fallback xmlns="">
       <p:transition spd="slow">
         <p:fade/>
       </p:transition>
     </mc:Fallback>
   </mc:AlternateContent>
-  <p:timing>
-    <p:tnLst>
-      <p:par>
-        <p:cTn id="1" dur="indefinite" restart="never" nodeType="tmRoot"/>
-      </p:par>
-    </p:tnLst>
-  </p:timing>
 </p:sld>
 </file>
 
@@ -3373,7 +3344,7 @@
           <a:p>
             <a:pPr algn="ctr"/>
             <a:r>
-              <a:rPr lang="en-US" sz="6000" b="1" dirty="0" smtClean="0"/>
+              <a:rPr lang="en-US" sz="6000" b="1" dirty="0"/>
               <a:t>3- </a:t>
             </a:r>
             <a:r>
@@ -3395,10 +3366,6 @@
             <a:r>
               <a:rPr lang="en-US" sz="6000" b="1" dirty="0" err="1"/>
               <a:t>fahefana</a:t>
-            </a:r>
-            <a:r>
-              <a:rPr lang="en-US" sz="6000" b="1" dirty="0"/>
-              <a:t/>
             </a:r>
             <a:br>
               <a:rPr lang="en-US" sz="6000" b="1" dirty="0"/>
@@ -3470,10 +3437,6 @@
               <a:rPr lang="en-US" sz="6000" b="1" dirty="0" err="1"/>
               <a:t>satana</a:t>
             </a:r>
-            <a:r>
-              <a:rPr lang="en-US" sz="6000" b="1" dirty="0"/>
-              <a:t/>
-            </a:r>
             <a:br>
               <a:rPr lang="en-US" sz="6000" b="1" dirty="0"/>
             </a:br>
@@ -3486,7 +3449,7 @@
               <a:t> </a:t>
             </a:r>
             <a:r>
-              <a:rPr lang="en-US" sz="6000" b="1" dirty="0" err="1" smtClean="0"/>
+              <a:rPr lang="en-US" sz="6000" b="1" dirty="0" err="1"/>
               <a:t>fahavaloko</a:t>
             </a:r>
             <a:endParaRPr lang="fr-FR" sz="6000" b="1" dirty="0"/>
@@ -3500,7 +3463,7 @@
   </p:clrMapOvr>
   <mc:AlternateContent xmlns:mc="http://schemas.openxmlformats.org/markup-compatibility/2006">
     <mc:Choice xmlns:p14="http://schemas.microsoft.com/office/powerpoint/2010/main" Requires="p14">
-      <p:transition spd="slow" p14:dur="56750">
+      <p:transition spd="slow">
         <p14:flythrough/>
       </p:transition>
     </mc:Choice>
@@ -3510,13 +3473,6 @@
       </p:transition>
     </mc:Fallback>
   </mc:AlternateContent>
-  <p:timing>
-    <p:tnLst>
-      <p:par>
-        <p:cTn id="1" dur="indefinite" restart="never" nodeType="tmRoot"/>
-      </p:par>
-    </p:tnLst>
-  </p:timing>
 </p:sld>
 </file>
 
@@ -3560,11 +3516,11 @@
           <a:p>
             <a:pPr algn="ctr"/>
             <a:r>
-              <a:rPr lang="en-US" sz="6000" b="1" dirty="0" err="1" smtClean="0"/>
+              <a:rPr lang="en-US" sz="6000" b="1" dirty="0" err="1"/>
               <a:t>Tsy</a:t>
             </a:r>
             <a:r>
-              <a:rPr lang="en-US" sz="6000" b="1" dirty="0" smtClean="0"/>
+              <a:rPr lang="en-US" sz="6000" b="1" dirty="0"/>
               <a:t> </a:t>
             </a:r>
             <a:r>
@@ -3586,10 +3542,6 @@
             <a:r>
               <a:rPr lang="en-US" sz="6000" b="1" dirty="0" err="1"/>
               <a:t>akory</a:t>
-            </a:r>
-            <a:r>
-              <a:rPr lang="en-US" sz="6000" b="1" dirty="0"/>
-              <a:t/>
             </a:r>
             <a:br>
               <a:rPr lang="en-US" sz="6000" b="1" dirty="0"/>
@@ -3614,10 +3566,6 @@
               <a:rPr lang="en-US" sz="6000" b="1" dirty="0" err="1"/>
               <a:t>tananao</a:t>
             </a:r>
-            <a:r>
-              <a:rPr lang="en-US" sz="6000" b="1" dirty="0"/>
-              <a:t/>
-            </a:r>
             <a:br>
               <a:rPr lang="en-US" sz="6000" b="1" dirty="0"/>
             </a:br>
@@ -3641,10 +3589,6 @@
               <a:rPr lang="en-US" sz="6000" b="1" dirty="0" err="1"/>
               <a:t>ilazako</a:t>
             </a:r>
-            <a:r>
-              <a:rPr lang="en-US" sz="6000" b="1" dirty="0"/>
-              <a:t/>
-            </a:r>
             <a:br>
               <a:rPr lang="en-US" sz="6000" b="1" dirty="0"/>
             </a:br>
@@ -3665,7 +3609,7 @@
               <a:t> </a:t>
             </a:r>
             <a:r>
-              <a:rPr lang="en-US" sz="6000" b="1" dirty="0" err="1" smtClean="0"/>
+              <a:rPr lang="en-US" sz="6000" b="1" dirty="0" err="1"/>
               <a:t>Ianao</a:t>
             </a:r>
             <a:endParaRPr lang="fr-FR" sz="6000" b="1" dirty="0"/>
@@ -3682,25 +3626,18 @@
   <p:clrMapOvr>
     <a:masterClrMapping/>
   </p:clrMapOvr>
-  <mc:AlternateContent xmlns:mc="http://schemas.openxmlformats.org/markup-compatibility/2006">
-    <mc:Choice xmlns:p14="http://schemas.microsoft.com/office/powerpoint/2010/main" Requires="p14">
+  <mc:AlternateContent xmlns:mc="http://schemas.openxmlformats.org/markup-compatibility/2006" xmlns:p14="http://schemas.microsoft.com/office/powerpoint/2010/main">
+    <mc:Choice Requires="p14">
       <p:transition spd="slow" p14:dur="56750">
         <p14:flythrough/>
       </p:transition>
     </mc:Choice>
-    <mc:Fallback>
+    <mc:Fallback xmlns="">
       <p:transition spd="slow">
         <p:fade/>
       </p:transition>
     </mc:Fallback>
   </mc:AlternateContent>
-  <p:timing>
-    <p:tnLst>
-      <p:par>
-        <p:cTn id="1" dur="indefinite" restart="never" nodeType="tmRoot"/>
-      </p:par>
-    </p:tnLst>
-  </p:timing>
 </p:sld>
 </file>
 
@@ -3854,14 +3791,10 @@
             </a:r>
             <a:r>
               <a:rPr lang="en-US" sz="5400" b="1" i="1" dirty="0"/>
-              <a:t> </a:t>
-            </a:r>
-            <a:r>
-              <a:rPr lang="en-US" sz="5400" b="1" i="1" dirty="0" smtClean="0"/>
-              <a:t>an-</a:t>
-            </a:r>
-            <a:r>
-              <a:rPr lang="en-US" sz="5400" b="1" i="1" dirty="0" err="1" smtClean="0"/>
+              <a:t> an-</a:t>
+            </a:r>
+            <a:r>
+              <a:rPr lang="en-US" sz="5400" b="1" i="1" dirty="0" err="1"/>
               <a:t>tratranao</a:t>
             </a:r>
             <a:endParaRPr lang="fr-FR" sz="5400" b="1" i="1" dirty="0"/>
@@ -3878,25 +3811,18 @@
   <p:clrMapOvr>
     <a:masterClrMapping/>
   </p:clrMapOvr>
-  <mc:AlternateContent xmlns:mc="http://schemas.openxmlformats.org/markup-compatibility/2006">
-    <mc:Choice xmlns:p14="http://schemas.microsoft.com/office/powerpoint/2010/main" Requires="p14">
+  <mc:AlternateContent xmlns:mc="http://schemas.openxmlformats.org/markup-compatibility/2006" xmlns:p14="http://schemas.microsoft.com/office/powerpoint/2010/main">
+    <mc:Choice Requires="p14">
       <p:transition spd="slow" p14:dur="56750">
         <p14:flythrough/>
       </p:transition>
     </mc:Choice>
-    <mc:Fallback>
+    <mc:Fallback xmlns="">
       <p:transition spd="slow">
         <p:fade/>
       </p:transition>
     </mc:Fallback>
   </mc:AlternateContent>
-  <p:timing>
-    <p:tnLst>
-      <p:par>
-        <p:cTn id="1" dur="indefinite" restart="never" nodeType="tmRoot"/>
-      </p:par>
-    </p:tnLst>
-  </p:timing>
 </p:sld>
 </file>
 
@@ -3940,136 +3866,128 @@
           <a:p>
             <a:pPr algn="ctr"/>
             <a:r>
-              <a:rPr lang="en-US" sz="5400" b="1" i="1" dirty="0" err="1" smtClean="0"/>
+              <a:rPr lang="en-US" sz="5400" b="1" i="1" dirty="0" err="1"/>
               <a:t>Ampy</a:t>
             </a:r>
             <a:r>
-              <a:rPr lang="en-US" sz="5400" b="1" i="1" dirty="0" smtClean="0"/>
-              <a:t> </a:t>
-            </a:r>
-            <a:r>
-              <a:rPr lang="en-US" sz="5400" b="1" i="1" dirty="0" err="1" smtClean="0"/>
+              <a:rPr lang="en-US" sz="5400" b="1" i="1" dirty="0"/>
+              <a:t> </a:t>
+            </a:r>
+            <a:r>
+              <a:rPr lang="en-US" sz="5400" b="1" i="1" dirty="0" err="1"/>
               <a:t>ahy</a:t>
             </a:r>
             <a:r>
-              <a:rPr lang="en-US" sz="5400" b="1" i="1" dirty="0" smtClean="0"/>
-              <a:t> </a:t>
-            </a:r>
-            <a:r>
-              <a:rPr lang="en-US" sz="5400" b="1" i="1" dirty="0" err="1" smtClean="0"/>
+              <a:rPr lang="en-US" sz="5400" b="1" i="1" dirty="0"/>
+              <a:t> </a:t>
+            </a:r>
+            <a:r>
+              <a:rPr lang="en-US" sz="5400" b="1" i="1" dirty="0" err="1"/>
               <a:t>ny</a:t>
             </a:r>
             <a:r>
-              <a:rPr lang="en-US" sz="5400" b="1" i="1" dirty="0" smtClean="0"/>
-              <a:t> </a:t>
-            </a:r>
-            <a:r>
-              <a:rPr lang="en-US" sz="5400" b="1" i="1" dirty="0" err="1" smtClean="0"/>
+              <a:rPr lang="en-US" sz="5400" b="1" i="1" dirty="0"/>
+              <a:t> </a:t>
+            </a:r>
+            <a:r>
+              <a:rPr lang="en-US" sz="5400" b="1" i="1" dirty="0" err="1"/>
               <a:t>fitiavanao</a:t>
             </a:r>
-            <a:r>
-              <a:rPr lang="en-US" sz="5400" b="1" i="1" dirty="0" smtClean="0"/>
-              <a:t/>
-            </a:r>
             <a:br>
-              <a:rPr lang="en-US" sz="5400" b="1" i="1" dirty="0" smtClean="0"/>
+              <a:rPr lang="en-US" sz="5400" b="1" i="1" dirty="0"/>
             </a:br>
             <a:r>
-              <a:rPr lang="en-US" sz="5400" b="1" i="1" dirty="0" err="1" smtClean="0"/>
+              <a:rPr lang="en-US" sz="5400" b="1" i="1" dirty="0" err="1"/>
               <a:t>Ampy</a:t>
             </a:r>
             <a:r>
-              <a:rPr lang="en-US" sz="5400" b="1" i="1" dirty="0" smtClean="0"/>
-              <a:t> </a:t>
-            </a:r>
-            <a:r>
-              <a:rPr lang="en-US" sz="5400" b="1" i="1" dirty="0" err="1" smtClean="0"/>
+              <a:rPr lang="en-US" sz="5400" b="1" i="1" dirty="0"/>
+              <a:t> </a:t>
+            </a:r>
+            <a:r>
+              <a:rPr lang="en-US" sz="5400" b="1" i="1" dirty="0" err="1"/>
               <a:t>ahy</a:t>
             </a:r>
             <a:r>
-              <a:rPr lang="en-US" sz="5400" b="1" i="1" dirty="0" smtClean="0"/>
-              <a:t> </a:t>
-            </a:r>
-            <a:r>
-              <a:rPr lang="en-US" sz="5400" b="1" i="1" dirty="0" err="1" smtClean="0"/>
+              <a:rPr lang="en-US" sz="5400" b="1" i="1" dirty="0"/>
+              <a:t> </a:t>
+            </a:r>
+            <a:r>
+              <a:rPr lang="en-US" sz="5400" b="1" i="1" dirty="0" err="1"/>
               <a:t>ny</a:t>
             </a:r>
             <a:r>
-              <a:rPr lang="en-US" sz="5400" b="1" i="1" dirty="0" smtClean="0"/>
-              <a:t> </a:t>
-            </a:r>
-            <a:r>
-              <a:rPr lang="en-US" sz="5400" b="1" i="1" dirty="0" err="1" smtClean="0"/>
+              <a:rPr lang="en-US" sz="5400" b="1" i="1" dirty="0"/>
+              <a:t> </a:t>
+            </a:r>
+            <a:r>
+              <a:rPr lang="en-US" sz="5400" b="1" i="1" dirty="0" err="1"/>
               <a:t>finoako</a:t>
             </a:r>
             <a:r>
-              <a:rPr lang="en-US" sz="5400" b="1" i="1" dirty="0" smtClean="0"/>
-              <a:t> </a:t>
-            </a:r>
-            <a:r>
-              <a:rPr lang="en-US" sz="5400" b="1" i="1" dirty="0" err="1" smtClean="0"/>
+              <a:rPr lang="en-US" sz="5400" b="1" i="1" dirty="0"/>
+              <a:t> </a:t>
+            </a:r>
+            <a:r>
+              <a:rPr lang="en-US" sz="5400" b="1" i="1" dirty="0" err="1"/>
               <a:t>Anao</a:t>
             </a:r>
             <a:r>
-              <a:rPr lang="en-US" sz="5400" b="1" i="1" dirty="0" smtClean="0"/>
+              <a:rPr lang="en-US" sz="5400" b="1" i="1" dirty="0"/>
               <a:t>.</a:t>
             </a:r>
             <a:br>
-              <a:rPr lang="en-US" sz="5400" b="1" i="1" dirty="0" smtClean="0"/>
+              <a:rPr lang="en-US" sz="5400" b="1" i="1" dirty="0"/>
             </a:br>
             <a:r>
-              <a:rPr lang="en-US" sz="5400" b="1" i="1" dirty="0" err="1" smtClean="0"/>
+              <a:rPr lang="en-US" sz="5400" b="1" i="1" dirty="0" err="1"/>
               <a:t>Raketiko</a:t>
             </a:r>
             <a:r>
-              <a:rPr lang="en-US" sz="5400" b="1" i="1" dirty="0" smtClean="0"/>
-              <a:t> </a:t>
-            </a:r>
-            <a:r>
-              <a:rPr lang="en-US" sz="5400" b="1" i="1" dirty="0" err="1" smtClean="0"/>
+              <a:rPr lang="en-US" sz="5400" b="1" i="1" dirty="0"/>
+              <a:t> </a:t>
+            </a:r>
+            <a:r>
+              <a:rPr lang="en-US" sz="5400" b="1" i="1" dirty="0" err="1"/>
               <a:t>ao</a:t>
             </a:r>
             <a:r>
-              <a:rPr lang="en-US" sz="5400" b="1" i="1" dirty="0" smtClean="0"/>
+              <a:rPr lang="en-US" sz="5400" b="1" i="1" dirty="0"/>
               <a:t> am-</a:t>
             </a:r>
             <a:r>
-              <a:rPr lang="en-US" sz="5400" b="1" i="1" dirty="0" err="1" smtClean="0"/>
+              <a:rPr lang="en-US" sz="5400" b="1" i="1" dirty="0" err="1"/>
               <a:t>po</a:t>
             </a:r>
             <a:r>
-              <a:rPr lang="en-US" sz="5400" b="1" i="1" dirty="0" smtClean="0"/>
-              <a:t> </a:t>
-            </a:r>
-            <a:r>
-              <a:rPr lang="en-US" sz="5400" b="1" i="1" dirty="0" err="1" smtClean="0"/>
+              <a:rPr lang="en-US" sz="5400" b="1" i="1" dirty="0"/>
+              <a:t> </a:t>
+            </a:r>
+            <a:r>
+              <a:rPr lang="en-US" sz="5400" b="1" i="1" dirty="0" err="1"/>
               <a:t>lalandava</a:t>
             </a:r>
-            <a:r>
-              <a:rPr lang="en-US" sz="5400" b="1" i="1" dirty="0" smtClean="0"/>
-              <a:t/>
-            </a:r>
             <a:br>
-              <a:rPr lang="en-US" sz="5400" b="1" i="1" dirty="0" smtClean="0"/>
+              <a:rPr lang="en-US" sz="5400" b="1" i="1" dirty="0"/>
             </a:br>
             <a:r>
-              <a:rPr lang="en-US" sz="5400" b="1" i="1" dirty="0" err="1" smtClean="0"/>
+              <a:rPr lang="en-US" sz="5400" b="1" i="1" dirty="0" err="1"/>
               <a:t>Fa</a:t>
             </a:r>
             <a:r>
-              <a:rPr lang="en-US" sz="5400" b="1" i="1" dirty="0" smtClean="0"/>
-              <a:t> </a:t>
-            </a:r>
-            <a:r>
-              <a:rPr lang="en-US" sz="5400" b="1" i="1" dirty="0" err="1" smtClean="0"/>
+              <a:rPr lang="en-US" sz="5400" b="1" i="1" dirty="0"/>
+              <a:t> </a:t>
+            </a:r>
+            <a:r>
+              <a:rPr lang="en-US" sz="5400" b="1" i="1" dirty="0" err="1"/>
               <a:t>reharehako</a:t>
             </a:r>
             <a:r>
-              <a:rPr lang="en-US" sz="5400" b="1" i="1" dirty="0" smtClean="0"/>
-              <a:t> </a:t>
-            </a:r>
-            <a:r>
-              <a:rPr lang="en-US" sz="5400" b="1" i="1" dirty="0" err="1" smtClean="0"/>
+              <a:rPr lang="en-US" sz="5400" b="1" i="1" dirty="0"/>
+              <a:t> </a:t>
+            </a:r>
+            <a:r>
+              <a:rPr lang="en-US" sz="5400" b="1" i="1" dirty="0" err="1"/>
               <a:t>Ianao</a:t>
             </a:r>
             <a:endParaRPr lang="fr-FR" sz="5400" b="1" i="1" dirty="0"/>
@@ -4086,25 +4004,18 @@
   <p:clrMapOvr>
     <a:masterClrMapping/>
   </p:clrMapOvr>
-  <mc:AlternateContent xmlns:mc="http://schemas.openxmlformats.org/markup-compatibility/2006">
-    <mc:Choice xmlns:p14="http://schemas.microsoft.com/office/powerpoint/2010/main" Requires="p14">
+  <mc:AlternateContent xmlns:mc="http://schemas.openxmlformats.org/markup-compatibility/2006" xmlns:p14="http://schemas.microsoft.com/office/powerpoint/2010/main">
+    <mc:Choice Requires="p14">
       <p:transition spd="slow">
         <p14:flythrough/>
       </p:transition>
     </mc:Choice>
-    <mc:Fallback>
+    <mc:Fallback xmlns="">
       <p:transition spd="slow">
         <p:fade/>
       </p:transition>
     </mc:Fallback>
   </mc:AlternateContent>
-  <p:timing>
-    <p:tnLst>
-      <p:par>
-        <p:cTn id="1" dur="indefinite" restart="never" nodeType="tmRoot"/>
-      </p:par>
-    </p:tnLst>
-  </p:timing>
 </p:sld>
 </file>
 
@@ -4180,10 +4091,6 @@
               <a:rPr lang="en-US" sz="6000" b="1" dirty="0" err="1"/>
               <a:t>reharehako</a:t>
             </a:r>
-            <a:r>
-              <a:rPr lang="en-US" sz="6000" b="1" dirty="0"/>
-              <a:t/>
-            </a:r>
             <a:br>
               <a:rPr lang="en-US" sz="6000" b="1" dirty="0"/>
             </a:br>
@@ -4258,10 +4165,6 @@
               <a:rPr lang="en-US" sz="6000" b="1" dirty="0" err="1"/>
               <a:t>haja</a:t>
             </a:r>
-            <a:r>
-              <a:rPr lang="en-US" sz="6000" b="1" dirty="0"/>
-              <a:t/>
-            </a:r>
             <a:br>
               <a:rPr lang="en-US" sz="6000" b="1" dirty="0"/>
             </a:br>
@@ -4274,7 +4177,7 @@
               <a:t> </a:t>
             </a:r>
             <a:r>
-              <a:rPr lang="en-US" sz="6000" b="1" dirty="0" err="1" smtClean="0"/>
+              <a:rPr lang="en-US" sz="6000" b="1" dirty="0" err="1"/>
               <a:t>voninahitra</a:t>
             </a:r>
             <a:endParaRPr lang="fr-FR" sz="6000" b="1" dirty="0"/>
@@ -4288,7 +4191,7 @@
   </p:clrMapOvr>
   <mc:AlternateContent xmlns:mc="http://schemas.openxmlformats.org/markup-compatibility/2006">
     <mc:Choice xmlns:p14="http://schemas.microsoft.com/office/powerpoint/2010/main" Requires="p14">
-      <p:transition spd="slow" p14:dur="56750">
+      <p:transition spd="slow">
         <p14:flythrough/>
       </p:transition>
     </mc:Choice>
@@ -4298,13 +4201,6 @@
       </p:transition>
     </mc:Fallback>
   </mc:AlternateContent>
-  <p:timing>
-    <p:tnLst>
-      <p:par>
-        <p:cTn id="1" dur="indefinite" restart="never" nodeType="tmRoot"/>
-      </p:par>
-    </p:tnLst>
-  </p:timing>
 </p:sld>
 </file>
 
@@ -4348,11 +4244,11 @@
           <a:p>
             <a:pPr algn="ctr"/>
             <a:r>
-              <a:rPr lang="en-US" sz="5400" b="1" dirty="0" err="1" smtClean="0"/>
+              <a:rPr lang="en-US" sz="5400" b="1" dirty="0" err="1"/>
               <a:t>Ny</a:t>
             </a:r>
             <a:r>
-              <a:rPr lang="en-US" sz="5400" b="1" dirty="0" smtClean="0"/>
+              <a:rPr lang="en-US" sz="5400" b="1" dirty="0"/>
               <a:t> </a:t>
             </a:r>
             <a:r>
@@ -4390,10 +4286,6 @@
             <a:r>
               <a:rPr lang="en-US" sz="5400" b="1" dirty="0" err="1"/>
               <a:t>hita</a:t>
-            </a:r>
-            <a:r>
-              <a:rPr lang="en-US" sz="5400" b="1" dirty="0"/>
-              <a:t/>
             </a:r>
             <a:br>
               <a:rPr lang="en-US" sz="5400" b="1" dirty="0"/>
@@ -4418,10 +4310,6 @@
               <a:rPr lang="en-US" sz="5400" b="1" dirty="0" err="1"/>
               <a:t>resinao</a:t>
             </a:r>
-            <a:r>
-              <a:rPr lang="en-US" sz="5400" b="1" dirty="0"/>
-              <a:t/>
-            </a:r>
             <a:br>
               <a:rPr lang="en-US" sz="5400" b="1" dirty="0"/>
             </a:br>
@@ -4461,10 +4349,6 @@
               <a:rPr lang="en-US" sz="5400" b="1" dirty="0" err="1"/>
               <a:t>nahita</a:t>
             </a:r>
-            <a:r>
-              <a:rPr lang="en-US" sz="5400" b="1" dirty="0"/>
-              <a:t/>
-            </a:r>
             <a:br>
               <a:rPr lang="en-US" sz="5400" b="1" dirty="0"/>
             </a:br>
@@ -4493,7 +4377,7 @@
               <a:t> </a:t>
             </a:r>
             <a:r>
-              <a:rPr lang="en-US" sz="5400" b="1" dirty="0" err="1" smtClean="0"/>
+              <a:rPr lang="en-US" sz="5400" b="1" dirty="0" err="1"/>
               <a:t>Ianao</a:t>
             </a:r>
             <a:endParaRPr lang="fr-FR" sz="5400" b="1" dirty="0"/>
@@ -4512,7 +4396,7 @@
   </p:clrMapOvr>
   <mc:AlternateContent xmlns:mc="http://schemas.openxmlformats.org/markup-compatibility/2006">
     <mc:Choice xmlns:p14="http://schemas.microsoft.com/office/powerpoint/2010/main" Requires="p14">
-      <p:transition spd="slow" p14:dur="56750">
+      <p:transition spd="slow">
         <p14:flythrough/>
       </p:transition>
     </mc:Choice>
@@ -4522,13 +4406,6 @@
       </p:transition>
     </mc:Fallback>
   </mc:AlternateContent>
-  <p:timing>
-    <p:tnLst>
-      <p:par>
-        <p:cTn id="1" dur="indefinite" restart="never" nodeType="tmRoot"/>
-      </p:par>
-    </p:tnLst>
-  </p:timing>
 </p:sld>
 </file>
 
@@ -4682,14 +4559,10 @@
             </a:r>
             <a:r>
               <a:rPr lang="en-US" sz="5400" b="1" i="1" dirty="0"/>
-              <a:t> </a:t>
-            </a:r>
-            <a:r>
-              <a:rPr lang="en-US" sz="5400" b="1" i="1" dirty="0" smtClean="0"/>
-              <a:t>an-</a:t>
-            </a:r>
-            <a:r>
-              <a:rPr lang="en-US" sz="5400" b="1" i="1" dirty="0" err="1" smtClean="0"/>
+              <a:t> an-</a:t>
+            </a:r>
+            <a:r>
+              <a:rPr lang="en-US" sz="5400" b="1" i="1" dirty="0" err="1"/>
               <a:t>tratranao</a:t>
             </a:r>
             <a:endParaRPr lang="fr-FR" sz="5400" b="1" i="1" dirty="0"/>
@@ -4703,7 +4576,7 @@
   </p:clrMapOvr>
   <mc:AlternateContent xmlns:mc="http://schemas.openxmlformats.org/markup-compatibility/2006">
     <mc:Choice xmlns:p14="http://schemas.microsoft.com/office/powerpoint/2010/main" Requires="p14">
-      <p:transition spd="slow" p14:dur="56750">
+      <p:transition spd="slow">
         <p14:flythrough/>
       </p:transition>
     </mc:Choice>
@@ -4713,13 +4586,6 @@
       </p:transition>
     </mc:Fallback>
   </mc:AlternateContent>
-  <p:timing>
-    <p:tnLst>
-      <p:par>
-        <p:cTn id="1" dur="indefinite" restart="never" nodeType="tmRoot"/>
-      </p:par>
-    </p:tnLst>
-  </p:timing>
 </p:sld>
 </file>
 
@@ -4763,136 +4629,128 @@
           <a:p>
             <a:pPr algn="ctr"/>
             <a:r>
-              <a:rPr lang="en-US" sz="5400" b="1" i="1" dirty="0" err="1" smtClean="0"/>
+              <a:rPr lang="en-US" sz="5400" b="1" i="1" dirty="0" err="1"/>
               <a:t>Ampy</a:t>
             </a:r>
             <a:r>
-              <a:rPr lang="en-US" sz="5400" b="1" i="1" dirty="0" smtClean="0"/>
-              <a:t> </a:t>
-            </a:r>
-            <a:r>
-              <a:rPr lang="en-US" sz="5400" b="1" i="1" dirty="0" err="1" smtClean="0"/>
+              <a:rPr lang="en-US" sz="5400" b="1" i="1" dirty="0"/>
+              <a:t> </a:t>
+            </a:r>
+            <a:r>
+              <a:rPr lang="en-US" sz="5400" b="1" i="1" dirty="0" err="1"/>
               <a:t>ahy</a:t>
             </a:r>
             <a:r>
-              <a:rPr lang="en-US" sz="5400" b="1" i="1" dirty="0" smtClean="0"/>
-              <a:t> </a:t>
-            </a:r>
-            <a:r>
-              <a:rPr lang="en-US" sz="5400" b="1" i="1" dirty="0" err="1" smtClean="0"/>
+              <a:rPr lang="en-US" sz="5400" b="1" i="1" dirty="0"/>
+              <a:t> </a:t>
+            </a:r>
+            <a:r>
+              <a:rPr lang="en-US" sz="5400" b="1" i="1" dirty="0" err="1"/>
               <a:t>ny</a:t>
             </a:r>
             <a:r>
-              <a:rPr lang="en-US" sz="5400" b="1" i="1" dirty="0" smtClean="0"/>
-              <a:t> </a:t>
-            </a:r>
-            <a:r>
-              <a:rPr lang="en-US" sz="5400" b="1" i="1" dirty="0" err="1" smtClean="0"/>
+              <a:rPr lang="en-US" sz="5400" b="1" i="1" dirty="0"/>
+              <a:t> </a:t>
+            </a:r>
+            <a:r>
+              <a:rPr lang="en-US" sz="5400" b="1" i="1" dirty="0" err="1"/>
               <a:t>fitiavanao</a:t>
             </a:r>
-            <a:r>
-              <a:rPr lang="en-US" sz="5400" b="1" i="1" dirty="0" smtClean="0"/>
-              <a:t/>
-            </a:r>
             <a:br>
-              <a:rPr lang="en-US" sz="5400" b="1" i="1" dirty="0" smtClean="0"/>
+              <a:rPr lang="en-US" sz="5400" b="1" i="1" dirty="0"/>
             </a:br>
             <a:r>
-              <a:rPr lang="en-US" sz="5400" b="1" i="1" dirty="0" err="1" smtClean="0"/>
+              <a:rPr lang="en-US" sz="5400" b="1" i="1" dirty="0" err="1"/>
               <a:t>Ampy</a:t>
             </a:r>
             <a:r>
-              <a:rPr lang="en-US" sz="5400" b="1" i="1" dirty="0" smtClean="0"/>
-              <a:t> </a:t>
-            </a:r>
-            <a:r>
-              <a:rPr lang="en-US" sz="5400" b="1" i="1" dirty="0" err="1" smtClean="0"/>
+              <a:rPr lang="en-US" sz="5400" b="1" i="1" dirty="0"/>
+              <a:t> </a:t>
+            </a:r>
+            <a:r>
+              <a:rPr lang="en-US" sz="5400" b="1" i="1" dirty="0" err="1"/>
               <a:t>ahy</a:t>
             </a:r>
             <a:r>
-              <a:rPr lang="en-US" sz="5400" b="1" i="1" dirty="0" smtClean="0"/>
-              <a:t> </a:t>
-            </a:r>
-            <a:r>
-              <a:rPr lang="en-US" sz="5400" b="1" i="1" dirty="0" err="1" smtClean="0"/>
+              <a:rPr lang="en-US" sz="5400" b="1" i="1" dirty="0"/>
+              <a:t> </a:t>
+            </a:r>
+            <a:r>
+              <a:rPr lang="en-US" sz="5400" b="1" i="1" dirty="0" err="1"/>
               <a:t>ny</a:t>
             </a:r>
             <a:r>
-              <a:rPr lang="en-US" sz="5400" b="1" i="1" dirty="0" smtClean="0"/>
-              <a:t> </a:t>
-            </a:r>
-            <a:r>
-              <a:rPr lang="en-US" sz="5400" b="1" i="1" dirty="0" err="1" smtClean="0"/>
+              <a:rPr lang="en-US" sz="5400" b="1" i="1" dirty="0"/>
+              <a:t> </a:t>
+            </a:r>
+            <a:r>
+              <a:rPr lang="en-US" sz="5400" b="1" i="1" dirty="0" err="1"/>
               <a:t>finoako</a:t>
             </a:r>
             <a:r>
-              <a:rPr lang="en-US" sz="5400" b="1" i="1" dirty="0" smtClean="0"/>
-              <a:t> </a:t>
-            </a:r>
-            <a:r>
-              <a:rPr lang="en-US" sz="5400" b="1" i="1" dirty="0" err="1" smtClean="0"/>
+              <a:rPr lang="en-US" sz="5400" b="1" i="1" dirty="0"/>
+              <a:t> </a:t>
+            </a:r>
+            <a:r>
+              <a:rPr lang="en-US" sz="5400" b="1" i="1" dirty="0" err="1"/>
               <a:t>Anao</a:t>
             </a:r>
             <a:r>
-              <a:rPr lang="en-US" sz="5400" b="1" i="1" dirty="0" smtClean="0"/>
+              <a:rPr lang="en-US" sz="5400" b="1" i="1" dirty="0"/>
               <a:t>.</a:t>
             </a:r>
             <a:br>
-              <a:rPr lang="en-US" sz="5400" b="1" i="1" dirty="0" smtClean="0"/>
+              <a:rPr lang="en-US" sz="5400" b="1" i="1" dirty="0"/>
             </a:br>
             <a:r>
-              <a:rPr lang="en-US" sz="5400" b="1" i="1" dirty="0" err="1" smtClean="0"/>
+              <a:rPr lang="en-US" sz="5400" b="1" i="1" dirty="0" err="1"/>
               <a:t>Raketiko</a:t>
             </a:r>
             <a:r>
-              <a:rPr lang="en-US" sz="5400" b="1" i="1" dirty="0" smtClean="0"/>
-              <a:t> </a:t>
-            </a:r>
-            <a:r>
-              <a:rPr lang="en-US" sz="5400" b="1" i="1" dirty="0" err="1" smtClean="0"/>
+              <a:rPr lang="en-US" sz="5400" b="1" i="1" dirty="0"/>
+              <a:t> </a:t>
+            </a:r>
+            <a:r>
+              <a:rPr lang="en-US" sz="5400" b="1" i="1" dirty="0" err="1"/>
               <a:t>ao</a:t>
             </a:r>
             <a:r>
-              <a:rPr lang="en-US" sz="5400" b="1" i="1" dirty="0" smtClean="0"/>
+              <a:rPr lang="en-US" sz="5400" b="1" i="1" dirty="0"/>
               <a:t> am-</a:t>
             </a:r>
             <a:r>
-              <a:rPr lang="en-US" sz="5400" b="1" i="1" dirty="0" err="1" smtClean="0"/>
+              <a:rPr lang="en-US" sz="5400" b="1" i="1" dirty="0" err="1"/>
               <a:t>po</a:t>
             </a:r>
             <a:r>
-              <a:rPr lang="en-US" sz="5400" b="1" i="1" dirty="0" smtClean="0"/>
-              <a:t> </a:t>
-            </a:r>
-            <a:r>
-              <a:rPr lang="en-US" sz="5400" b="1" i="1" dirty="0" err="1" smtClean="0"/>
+              <a:rPr lang="en-US" sz="5400" b="1" i="1" dirty="0"/>
+              <a:t> </a:t>
+            </a:r>
+            <a:r>
+              <a:rPr lang="en-US" sz="5400" b="1" i="1" dirty="0" err="1"/>
               <a:t>lalandava</a:t>
             </a:r>
-            <a:r>
-              <a:rPr lang="en-US" sz="5400" b="1" i="1" dirty="0" smtClean="0"/>
-              <a:t/>
-            </a:r>
             <a:br>
-              <a:rPr lang="en-US" sz="5400" b="1" i="1" dirty="0" smtClean="0"/>
+              <a:rPr lang="en-US" sz="5400" b="1" i="1" dirty="0"/>
             </a:br>
             <a:r>
-              <a:rPr lang="en-US" sz="5400" b="1" i="1" dirty="0" err="1" smtClean="0"/>
+              <a:rPr lang="en-US" sz="5400" b="1" i="1" dirty="0" err="1"/>
               <a:t>Fa</a:t>
             </a:r>
             <a:r>
-              <a:rPr lang="en-US" sz="5400" b="1" i="1" dirty="0" smtClean="0"/>
-              <a:t> </a:t>
-            </a:r>
-            <a:r>
-              <a:rPr lang="en-US" sz="5400" b="1" i="1" dirty="0" err="1" smtClean="0"/>
+              <a:rPr lang="en-US" sz="5400" b="1" i="1" dirty="0"/>
+              <a:t> </a:t>
+            </a:r>
+            <a:r>
+              <a:rPr lang="en-US" sz="5400" b="1" i="1" dirty="0" err="1"/>
               <a:t>reharehako</a:t>
             </a:r>
             <a:r>
-              <a:rPr lang="en-US" sz="5400" b="1" i="1" dirty="0" smtClean="0"/>
-              <a:t> </a:t>
-            </a:r>
-            <a:r>
-              <a:rPr lang="en-US" sz="5400" b="1" i="1" dirty="0" err="1" smtClean="0"/>
+              <a:rPr lang="en-US" sz="5400" b="1" i="1" dirty="0"/>
+              <a:t> </a:t>
+            </a:r>
+            <a:r>
+              <a:rPr lang="en-US" sz="5400" b="1" i="1" dirty="0" err="1"/>
               <a:t>Ianao</a:t>
             </a:r>
             <a:endParaRPr lang="fr-FR" sz="5400" b="1" i="1" dirty="0"/>
@@ -4911,7 +4769,7 @@
   </p:clrMapOvr>
   <mc:AlternateContent xmlns:mc="http://schemas.openxmlformats.org/markup-compatibility/2006">
     <mc:Choice xmlns:p14="http://schemas.microsoft.com/office/powerpoint/2010/main" Requires="p14">
-      <p:transition spd="slow" p14:dur="56750">
+      <p:transition spd="slow">
         <p14:flythrough/>
       </p:transition>
     </mc:Choice>
@@ -4921,13 +4779,6 @@
       </p:transition>
     </mc:Fallback>
   </mc:AlternateContent>
-  <p:timing>
-    <p:tnLst>
-      <p:par>
-        <p:cTn id="1" dur="indefinite" restart="never" nodeType="tmRoot"/>
-      </p:par>
-    </p:tnLst>
-  </p:timing>
 </p:sld>
 </file>
 
@@ -4994,10 +4845,6 @@
               <a:rPr lang="en-US" sz="5400" b="1" dirty="0" err="1"/>
               <a:t>nahitam-pamonjena</a:t>
             </a:r>
-            <a:r>
-              <a:rPr lang="en-US" sz="5400" b="1" dirty="0"/>
-              <a:t/>
-            </a:r>
             <a:br>
               <a:rPr lang="en-US" sz="5400" b="1" dirty="0"/>
             </a:br>
@@ -5056,10 +4903,6 @@
               <a:rPr lang="en-US" sz="5400" b="1" dirty="0" err="1"/>
               <a:t>noterena</a:t>
             </a:r>
-            <a:r>
-              <a:rPr lang="en-US" sz="5400" b="1" dirty="0"/>
-              <a:t/>
-            </a:r>
             <a:br>
               <a:rPr lang="en-US" sz="5400" b="1" dirty="0"/>
             </a:br>
@@ -5084,7 +4927,7 @@
               <a:t>vao</a:t>
             </a:r>
             <a:r>
-              <a:rPr lang="en-US" sz="5400" b="1" dirty="0" smtClean="0"/>
+              <a:rPr lang="en-US" sz="5400" b="1" dirty="0"/>
               <a:t>.</a:t>
             </a:r>
             <a:endParaRPr lang="fr-FR" sz="5400" b="1" dirty="0"/>
@@ -5098,7 +4941,7 @@
   </p:clrMapOvr>
   <mc:AlternateContent xmlns:mc="http://schemas.openxmlformats.org/markup-compatibility/2006">
     <mc:Choice xmlns:p14="http://schemas.microsoft.com/office/powerpoint/2010/main" Requires="p14">
-      <p:transition spd="slow" p14:dur="56750">
+      <p:transition spd="slow">
         <p14:flythrough/>
       </p:transition>
     </mc:Choice>
@@ -5108,13 +4951,6 @@
       </p:transition>
     </mc:Fallback>
   </mc:AlternateContent>
-  <p:timing>
-    <p:tnLst>
-      <p:par>
-        <p:cTn id="1" dur="indefinite" restart="never" nodeType="tmRoot"/>
-      </p:par>
-    </p:tnLst>
-  </p:timing>
 </p:sld>
 </file>
 
@@ -5158,108 +4994,96 @@
           <a:p>
             <a:pPr algn="ctr"/>
             <a:r>
-              <a:rPr lang="en-US" sz="5400" b="1" dirty="0" err="1" smtClean="0"/>
+              <a:rPr lang="en-US" sz="5400" b="1" dirty="0" err="1"/>
               <a:t>Ny</a:t>
             </a:r>
             <a:r>
-              <a:rPr lang="en-US" sz="5400" b="1" dirty="0" smtClean="0"/>
-              <a:t> </a:t>
-            </a:r>
-            <a:r>
-              <a:rPr lang="en-US" sz="5400" b="1" dirty="0" err="1" smtClean="0"/>
+              <a:rPr lang="en-US" sz="5400" b="1" dirty="0"/>
+              <a:t> </a:t>
+            </a:r>
+            <a:r>
+              <a:rPr lang="en-US" sz="5400" b="1" dirty="0" err="1"/>
               <a:t>tananao</a:t>
             </a:r>
             <a:r>
-              <a:rPr lang="en-US" sz="5400" b="1" dirty="0" smtClean="0"/>
-              <a:t> </a:t>
-            </a:r>
-            <a:r>
-              <a:rPr lang="en-US" sz="5400" b="1" dirty="0" err="1" smtClean="0"/>
+              <a:rPr lang="en-US" sz="5400" b="1" dirty="0"/>
+              <a:t> </a:t>
+            </a:r>
+            <a:r>
+              <a:rPr lang="en-US" sz="5400" b="1" dirty="0" err="1"/>
               <a:t>mahery</a:t>
             </a:r>
             <a:r>
-              <a:rPr lang="en-US" sz="5400" b="1" dirty="0" smtClean="0"/>
-              <a:t> </a:t>
-            </a:r>
-            <a:r>
-              <a:rPr lang="en-US" sz="5400" b="1" dirty="0" err="1" smtClean="0"/>
+              <a:rPr lang="en-US" sz="5400" b="1" dirty="0"/>
+              <a:t> </a:t>
+            </a:r>
+            <a:r>
+              <a:rPr lang="en-US" sz="5400" b="1" dirty="0" err="1"/>
               <a:t>natsotranao</a:t>
             </a:r>
-            <a:r>
-              <a:rPr lang="en-US" sz="5400" b="1" dirty="0" smtClean="0"/>
-              <a:t/>
-            </a:r>
             <a:br>
-              <a:rPr lang="en-US" sz="5400" b="1" dirty="0" smtClean="0"/>
+              <a:rPr lang="en-US" sz="5400" b="1" dirty="0"/>
             </a:br>
             <a:r>
-              <a:rPr lang="en-US" sz="5400" b="1" dirty="0" err="1" smtClean="0"/>
+              <a:rPr lang="en-US" sz="5400" b="1" dirty="0" err="1"/>
               <a:t>Mba</a:t>
             </a:r>
             <a:r>
-              <a:rPr lang="en-US" sz="5400" b="1" dirty="0" smtClean="0"/>
-              <a:t> </a:t>
-            </a:r>
-            <a:r>
-              <a:rPr lang="en-US" sz="5400" b="1" dirty="0" err="1" smtClean="0"/>
+              <a:rPr lang="en-US" sz="5400" b="1" dirty="0"/>
+              <a:t> </a:t>
+            </a:r>
+            <a:r>
+              <a:rPr lang="en-US" sz="5400" b="1" dirty="0" err="1"/>
               <a:t>hitantana</a:t>
             </a:r>
-            <a:r>
-              <a:rPr lang="en-US" sz="5400" b="1" dirty="0" smtClean="0"/>
-              <a:t/>
-            </a:r>
             <a:br>
-              <a:rPr lang="en-US" sz="5400" b="1" dirty="0" smtClean="0"/>
+              <a:rPr lang="en-US" sz="5400" b="1" dirty="0"/>
             </a:br>
             <a:r>
-              <a:rPr lang="en-US" sz="5400" b="1" dirty="0" err="1" smtClean="0"/>
+              <a:rPr lang="en-US" sz="5400" b="1" dirty="0" err="1"/>
               <a:t>Hahaizako</a:t>
             </a:r>
             <a:r>
-              <a:rPr lang="en-US" sz="5400" b="1" dirty="0" smtClean="0"/>
-              <a:t> </a:t>
-            </a:r>
-            <a:r>
-              <a:rPr lang="en-US" sz="5400" b="1" dirty="0" err="1" smtClean="0"/>
+              <a:rPr lang="en-US" sz="5400" b="1" dirty="0"/>
+              <a:t> </a:t>
+            </a:r>
+            <a:r>
+              <a:rPr lang="en-US" sz="5400" b="1" dirty="0" err="1"/>
               <a:t>mandeha</a:t>
             </a:r>
             <a:r>
-              <a:rPr lang="en-US" sz="5400" b="1" dirty="0" smtClean="0"/>
-              <a:t> </a:t>
-            </a:r>
-            <a:r>
-              <a:rPr lang="en-US" sz="5400" b="1" dirty="0" err="1" smtClean="0"/>
+              <a:rPr lang="en-US" sz="5400" b="1" dirty="0"/>
+              <a:t> </a:t>
+            </a:r>
+            <a:r>
+              <a:rPr lang="en-US" sz="5400" b="1" dirty="0" err="1"/>
               <a:t>sy</a:t>
             </a:r>
             <a:r>
-              <a:rPr lang="en-US" sz="5400" b="1" dirty="0" smtClean="0"/>
-              <a:t> </a:t>
-            </a:r>
-            <a:r>
-              <a:rPr lang="en-US" sz="5400" b="1" dirty="0" err="1" smtClean="0"/>
+              <a:rPr lang="en-US" sz="5400" b="1" dirty="0"/>
+              <a:t> </a:t>
+            </a:r>
+            <a:r>
+              <a:rPr lang="en-US" sz="5400" b="1" dirty="0" err="1"/>
               <a:t>mizotra</a:t>
             </a:r>
-            <a:r>
-              <a:rPr lang="en-US" sz="5400" b="1" dirty="0" smtClean="0"/>
-              <a:t/>
-            </a:r>
             <a:br>
-              <a:rPr lang="en-US" sz="5400" b="1" dirty="0" smtClean="0"/>
+              <a:rPr lang="en-US" sz="5400" b="1" dirty="0"/>
             </a:br>
             <a:r>
-              <a:rPr lang="en-US" sz="5400" b="1" dirty="0" err="1" smtClean="0"/>
+              <a:rPr lang="en-US" sz="5400" b="1" dirty="0" err="1"/>
               <a:t>Ny</a:t>
             </a:r>
             <a:r>
-              <a:rPr lang="en-US" sz="5400" b="1" dirty="0" smtClean="0"/>
-              <a:t> </a:t>
-            </a:r>
-            <a:r>
-              <a:rPr lang="en-US" sz="5400" b="1" dirty="0" err="1" smtClean="0"/>
+              <a:rPr lang="en-US" sz="5400" b="1" dirty="0"/>
+              <a:t> </a:t>
+            </a:r>
+            <a:r>
+              <a:rPr lang="en-US" sz="5400" b="1" dirty="0" err="1"/>
               <a:t>làla</a:t>
             </a:r>
             <a:r>
-              <a:rPr lang="en-US" sz="5400" b="1" dirty="0" smtClean="0"/>
+              <a:rPr lang="en-US" sz="5400" b="1" dirty="0"/>
               <a:t>-marina.</a:t>
             </a:r>
             <a:endParaRPr lang="fr-FR" sz="5400" b="1" dirty="0"/>
@@ -5278,7 +5102,7 @@
   </p:clrMapOvr>
   <mc:AlternateContent xmlns:mc="http://schemas.openxmlformats.org/markup-compatibility/2006">
     <mc:Choice xmlns:p14="http://schemas.microsoft.com/office/powerpoint/2010/main" Requires="p14">
-      <p:transition spd="slow" p14:dur="56750">
+      <p:transition spd="slow">
         <p14:flythrough/>
       </p:transition>
     </mc:Choice>
@@ -5288,13 +5112,6 @@
       </p:transition>
     </mc:Fallback>
   </mc:AlternateContent>
-  <p:timing>
-    <p:tnLst>
-      <p:par>
-        <p:cTn id="1" dur="indefinite" restart="never" nodeType="tmRoot"/>
-      </p:par>
-    </p:tnLst>
-  </p:timing>
 </p:sld>
 </file>
 
@@ -5448,14 +5265,10 @@
             </a:r>
             <a:r>
               <a:rPr lang="en-US" sz="5400" b="1" i="1" dirty="0"/>
-              <a:t> </a:t>
-            </a:r>
-            <a:r>
-              <a:rPr lang="en-US" sz="5400" b="1" i="1" dirty="0" smtClean="0"/>
-              <a:t>an-</a:t>
-            </a:r>
-            <a:r>
-              <a:rPr lang="en-US" sz="5400" b="1" i="1" dirty="0" err="1" smtClean="0"/>
+              <a:t> an-</a:t>
+            </a:r>
+            <a:r>
+              <a:rPr lang="en-US" sz="5400" b="1" i="1" dirty="0" err="1"/>
               <a:t>tratranao</a:t>
             </a:r>
             <a:endParaRPr lang="fr-FR" sz="5400" b="1" i="1" dirty="0"/>
@@ -5474,7 +5287,7 @@
   </p:clrMapOvr>
   <mc:AlternateContent xmlns:mc="http://schemas.openxmlformats.org/markup-compatibility/2006">
     <mc:Choice xmlns:p14="http://schemas.microsoft.com/office/powerpoint/2010/main" Requires="p14">
-      <p:transition spd="slow" p14:dur="56750">
+      <p:transition spd="slow">
         <p14:flythrough/>
       </p:transition>
     </mc:Choice>
@@ -5484,13 +5297,6 @@
       </p:transition>
     </mc:Fallback>
   </mc:AlternateContent>
-  <p:timing>
-    <p:tnLst>
-      <p:par>
-        <p:cTn id="1" dur="indefinite" restart="never" nodeType="tmRoot"/>
-      </p:par>
-    </p:tnLst>
-  </p:timing>
 </p:sld>
 </file>
 
@@ -5534,136 +5340,128 @@
           <a:p>
             <a:pPr algn="ctr"/>
             <a:r>
-              <a:rPr lang="en-US" sz="5400" b="1" i="1" dirty="0" err="1" smtClean="0"/>
+              <a:rPr lang="en-US" sz="5400" b="1" i="1" dirty="0" err="1"/>
               <a:t>Ampy</a:t>
             </a:r>
             <a:r>
-              <a:rPr lang="en-US" sz="5400" b="1" i="1" dirty="0" smtClean="0"/>
-              <a:t> </a:t>
-            </a:r>
-            <a:r>
-              <a:rPr lang="en-US" sz="5400" b="1" i="1" dirty="0" err="1" smtClean="0"/>
+              <a:rPr lang="en-US" sz="5400" b="1" i="1" dirty="0"/>
+              <a:t> </a:t>
+            </a:r>
+            <a:r>
+              <a:rPr lang="en-US" sz="5400" b="1" i="1" dirty="0" err="1"/>
               <a:t>ahy</a:t>
             </a:r>
             <a:r>
-              <a:rPr lang="en-US" sz="5400" b="1" i="1" dirty="0" smtClean="0"/>
-              <a:t> </a:t>
-            </a:r>
-            <a:r>
-              <a:rPr lang="en-US" sz="5400" b="1" i="1" dirty="0" err="1" smtClean="0"/>
+              <a:rPr lang="en-US" sz="5400" b="1" i="1" dirty="0"/>
+              <a:t> </a:t>
+            </a:r>
+            <a:r>
+              <a:rPr lang="en-US" sz="5400" b="1" i="1" dirty="0" err="1"/>
               <a:t>ny</a:t>
             </a:r>
             <a:r>
-              <a:rPr lang="en-US" sz="5400" b="1" i="1" dirty="0" smtClean="0"/>
-              <a:t> </a:t>
-            </a:r>
-            <a:r>
-              <a:rPr lang="en-US" sz="5400" b="1" i="1" dirty="0" err="1" smtClean="0"/>
+              <a:rPr lang="en-US" sz="5400" b="1" i="1" dirty="0"/>
+              <a:t> </a:t>
+            </a:r>
+            <a:r>
+              <a:rPr lang="en-US" sz="5400" b="1" i="1" dirty="0" err="1"/>
               <a:t>fitiavanao</a:t>
             </a:r>
-            <a:r>
-              <a:rPr lang="en-US" sz="5400" b="1" i="1" dirty="0" smtClean="0"/>
-              <a:t/>
-            </a:r>
             <a:br>
-              <a:rPr lang="en-US" sz="5400" b="1" i="1" dirty="0" smtClean="0"/>
+              <a:rPr lang="en-US" sz="5400" b="1" i="1" dirty="0"/>
             </a:br>
             <a:r>
-              <a:rPr lang="en-US" sz="5400" b="1" i="1" dirty="0" err="1" smtClean="0"/>
+              <a:rPr lang="en-US" sz="5400" b="1" i="1" dirty="0" err="1"/>
               <a:t>Ampy</a:t>
             </a:r>
             <a:r>
-              <a:rPr lang="en-US" sz="5400" b="1" i="1" dirty="0" smtClean="0"/>
-              <a:t> </a:t>
-            </a:r>
-            <a:r>
-              <a:rPr lang="en-US" sz="5400" b="1" i="1" dirty="0" err="1" smtClean="0"/>
+              <a:rPr lang="en-US" sz="5400" b="1" i="1" dirty="0"/>
+              <a:t> </a:t>
+            </a:r>
+            <a:r>
+              <a:rPr lang="en-US" sz="5400" b="1" i="1" dirty="0" err="1"/>
               <a:t>ahy</a:t>
             </a:r>
             <a:r>
-              <a:rPr lang="en-US" sz="5400" b="1" i="1" dirty="0" smtClean="0"/>
-              <a:t> </a:t>
-            </a:r>
-            <a:r>
-              <a:rPr lang="en-US" sz="5400" b="1" i="1" dirty="0" err="1" smtClean="0"/>
+              <a:rPr lang="en-US" sz="5400" b="1" i="1" dirty="0"/>
+              <a:t> </a:t>
+            </a:r>
+            <a:r>
+              <a:rPr lang="en-US" sz="5400" b="1" i="1" dirty="0" err="1"/>
               <a:t>ny</a:t>
             </a:r>
             <a:r>
-              <a:rPr lang="en-US" sz="5400" b="1" i="1" dirty="0" smtClean="0"/>
-              <a:t> </a:t>
-            </a:r>
-            <a:r>
-              <a:rPr lang="en-US" sz="5400" b="1" i="1" dirty="0" err="1" smtClean="0"/>
+              <a:rPr lang="en-US" sz="5400" b="1" i="1" dirty="0"/>
+              <a:t> </a:t>
+            </a:r>
+            <a:r>
+              <a:rPr lang="en-US" sz="5400" b="1" i="1" dirty="0" err="1"/>
               <a:t>finoako</a:t>
             </a:r>
             <a:r>
-              <a:rPr lang="en-US" sz="5400" b="1" i="1" dirty="0" smtClean="0"/>
-              <a:t> </a:t>
-            </a:r>
-            <a:r>
-              <a:rPr lang="en-US" sz="5400" b="1" i="1" dirty="0" err="1" smtClean="0"/>
+              <a:rPr lang="en-US" sz="5400" b="1" i="1" dirty="0"/>
+              <a:t> </a:t>
+            </a:r>
+            <a:r>
+              <a:rPr lang="en-US" sz="5400" b="1" i="1" dirty="0" err="1"/>
               <a:t>Anao</a:t>
             </a:r>
             <a:r>
-              <a:rPr lang="en-US" sz="5400" b="1" i="1" dirty="0" smtClean="0"/>
+              <a:rPr lang="en-US" sz="5400" b="1" i="1" dirty="0"/>
               <a:t>.</a:t>
             </a:r>
             <a:br>
-              <a:rPr lang="en-US" sz="5400" b="1" i="1" dirty="0" smtClean="0"/>
+              <a:rPr lang="en-US" sz="5400" b="1" i="1" dirty="0"/>
             </a:br>
             <a:r>
-              <a:rPr lang="en-US" sz="5400" b="1" i="1" dirty="0" err="1" smtClean="0"/>
+              <a:rPr lang="en-US" sz="5400" b="1" i="1" dirty="0" err="1"/>
               <a:t>Raketiko</a:t>
             </a:r>
             <a:r>
-              <a:rPr lang="en-US" sz="5400" b="1" i="1" dirty="0" smtClean="0"/>
-              <a:t> </a:t>
-            </a:r>
-            <a:r>
-              <a:rPr lang="en-US" sz="5400" b="1" i="1" dirty="0" err="1" smtClean="0"/>
+              <a:rPr lang="en-US" sz="5400" b="1" i="1" dirty="0"/>
+              <a:t> </a:t>
+            </a:r>
+            <a:r>
+              <a:rPr lang="en-US" sz="5400" b="1" i="1" dirty="0" err="1"/>
               <a:t>ao</a:t>
             </a:r>
             <a:r>
-              <a:rPr lang="en-US" sz="5400" b="1" i="1" dirty="0" smtClean="0"/>
+              <a:rPr lang="en-US" sz="5400" b="1" i="1" dirty="0"/>
               <a:t> am-</a:t>
             </a:r>
             <a:r>
-              <a:rPr lang="en-US" sz="5400" b="1" i="1" dirty="0" err="1" smtClean="0"/>
+              <a:rPr lang="en-US" sz="5400" b="1" i="1" dirty="0" err="1"/>
               <a:t>po</a:t>
             </a:r>
             <a:r>
-              <a:rPr lang="en-US" sz="5400" b="1" i="1" dirty="0" smtClean="0"/>
-              <a:t> </a:t>
-            </a:r>
-            <a:r>
-              <a:rPr lang="en-US" sz="5400" b="1" i="1" dirty="0" err="1" smtClean="0"/>
+              <a:rPr lang="en-US" sz="5400" b="1" i="1" dirty="0"/>
+              <a:t> </a:t>
+            </a:r>
+            <a:r>
+              <a:rPr lang="en-US" sz="5400" b="1" i="1" dirty="0" err="1"/>
               <a:t>lalandava</a:t>
             </a:r>
-            <a:r>
-              <a:rPr lang="en-US" sz="5400" b="1" i="1" dirty="0" smtClean="0"/>
-              <a:t/>
-            </a:r>
             <a:br>
-              <a:rPr lang="en-US" sz="5400" b="1" i="1" dirty="0" smtClean="0"/>
+              <a:rPr lang="en-US" sz="5400" b="1" i="1" dirty="0"/>
             </a:br>
             <a:r>
-              <a:rPr lang="en-US" sz="5400" b="1" i="1" dirty="0" err="1" smtClean="0"/>
+              <a:rPr lang="en-US" sz="5400" b="1" i="1" dirty="0" err="1"/>
               <a:t>Fa</a:t>
             </a:r>
             <a:r>
-              <a:rPr lang="en-US" sz="5400" b="1" i="1" dirty="0" smtClean="0"/>
-              <a:t> </a:t>
-            </a:r>
-            <a:r>
-              <a:rPr lang="en-US" sz="5400" b="1" i="1" dirty="0" err="1" smtClean="0"/>
+              <a:rPr lang="en-US" sz="5400" b="1" i="1" dirty="0"/>
+              <a:t> </a:t>
+            </a:r>
+            <a:r>
+              <a:rPr lang="en-US" sz="5400" b="1" i="1" dirty="0" err="1"/>
               <a:t>reharehako</a:t>
             </a:r>
             <a:r>
-              <a:rPr lang="en-US" sz="5400" b="1" i="1" dirty="0" smtClean="0"/>
-              <a:t> </a:t>
-            </a:r>
-            <a:r>
-              <a:rPr lang="en-US" sz="5400" b="1" i="1" dirty="0" err="1" smtClean="0"/>
+              <a:rPr lang="en-US" sz="5400" b="1" i="1" dirty="0"/>
+              <a:t> </a:t>
+            </a:r>
+            <a:r>
+              <a:rPr lang="en-US" sz="5400" b="1" i="1" dirty="0" err="1"/>
               <a:t>Ianao</a:t>
             </a:r>
             <a:endParaRPr lang="fr-FR" sz="5400" b="1" i="1" dirty="0"/>
@@ -5682,7 +5480,7 @@
   </p:clrMapOvr>
   <mc:AlternateContent xmlns:mc="http://schemas.openxmlformats.org/markup-compatibility/2006">
     <mc:Choice xmlns:p14="http://schemas.microsoft.com/office/powerpoint/2010/main" Requires="p14">
-      <p:transition spd="slow" p14:dur="56750">
+      <p:transition spd="slow">
         <p14:flythrough/>
       </p:transition>
     </mc:Choice>
@@ -5692,13 +5490,6 @@
       </p:transition>
     </mc:Fallback>
   </mc:AlternateContent>
-  <p:timing>
-    <p:tnLst>
-      <p:par>
-        <p:cTn id="1" dur="indefinite" restart="never" nodeType="tmRoot"/>
-      </p:par>
-    </p:tnLst>
-  </p:timing>
 </p:sld>
 </file>
 
